--- a/50 - Design Patterns.pptx
+++ b/50 - Design Patterns.pptx
@@ -202,7 +202,7 @@
           <a:p>
             <a:fld id="{08AB9A53-2321-4507-AEDD-D090BCA0A583}" type="datetimeFigureOut">
               <a:rPr lang="en-IN" smtClean="0"/>
-              <a:t>13-08-2023</a:t>
+              <a:t>10-09-2023</a:t>
             </a:fld>
             <a:endParaRPr lang="en-IN"/>
           </a:p>
@@ -1192,7 +1192,7 @@
           <a:p>
             <a:fld id="{2FE2510D-258A-4AE9-A17F-3D891CB35D55}" type="datetime1">
               <a:rPr lang="en-US" smtClean="0"/>
-              <a:t>8/13/2023</a:t>
+              <a:t>9/10/2023</a:t>
             </a:fld>
             <a:endParaRPr lang="en-US" dirty="0"/>
           </a:p>
@@ -1443,7 +1443,7 @@
           <a:p>
             <a:fld id="{6FBC5B64-6E84-4D62-BE0A-83BE4A1D009E}" type="datetime1">
               <a:rPr lang="en-US" smtClean="0"/>
-              <a:t>8/13/2023</a:t>
+              <a:t>9/10/2023</a:t>
             </a:fld>
             <a:endParaRPr lang="en-US" dirty="0"/>
           </a:p>
@@ -1757,7 +1757,7 @@
           <a:p>
             <a:fld id="{2EA6FDB9-AAE1-4BCA-8F04-8E63DC58DED0}" type="datetime1">
               <a:rPr lang="en-US" smtClean="0"/>
-              <a:t>8/13/2023</a:t>
+              <a:t>9/10/2023</a:t>
             </a:fld>
             <a:endParaRPr lang="en-US" dirty="0"/>
           </a:p>
@@ -2098,7 +2098,7 @@
           <a:p>
             <a:fld id="{4734FCD4-1FFD-4F73-B511-FDC426F40F5E}" type="datetime1">
               <a:rPr lang="en-US" smtClean="0"/>
-              <a:t>8/13/2023</a:t>
+              <a:t>9/10/2023</a:t>
             </a:fld>
             <a:endParaRPr lang="en-US" dirty="0"/>
           </a:p>
@@ -2412,7 +2412,7 @@
           <a:p>
             <a:fld id="{1135079B-2B7B-4DCD-9CFE-77AC3EE21275}" type="datetime1">
               <a:rPr lang="en-US" smtClean="0"/>
-              <a:t>8/13/2023</a:t>
+              <a:t>9/10/2023</a:t>
             </a:fld>
             <a:endParaRPr lang="en-US" dirty="0"/>
           </a:p>
@@ -2805,7 +2805,7 @@
           <a:p>
             <a:fld id="{4BD03CA1-4642-46C6-B259-3EE3B2EFC8B2}" type="datetime1">
               <a:rPr lang="en-US" smtClean="0"/>
-              <a:t>8/13/2023</a:t>
+              <a:t>9/10/2023</a:t>
             </a:fld>
             <a:endParaRPr lang="en-US" dirty="0"/>
           </a:p>
@@ -2975,7 +2975,7 @@
           <a:p>
             <a:fld id="{C6313E70-D3C9-4F4B-BC8C-F708D9958E5D}" type="datetime1">
               <a:rPr lang="en-US" smtClean="0"/>
-              <a:t>8/13/2023</a:t>
+              <a:t>9/10/2023</a:t>
             </a:fld>
             <a:endParaRPr lang="en-US" dirty="0"/>
           </a:p>
@@ -3155,7 +3155,7 @@
           <a:p>
             <a:fld id="{03F0C189-C308-452A-ADCE-3F2FAEC80DDD}" type="datetime1">
               <a:rPr lang="en-US" smtClean="0"/>
-              <a:t>8/13/2023</a:t>
+              <a:t>9/10/2023</a:t>
             </a:fld>
             <a:endParaRPr lang="en-US" dirty="0"/>
           </a:p>
@@ -3331,7 +3331,7 @@
           <a:p>
             <a:fld id="{DD3C1E7D-6B35-4161-BF5F-B855E6633F9D}" type="datetime1">
               <a:rPr lang="en-US" smtClean="0"/>
-              <a:t>8/13/2023</a:t>
+              <a:t>9/10/2023</a:t>
             </a:fld>
             <a:endParaRPr lang="en-US" dirty="0"/>
           </a:p>
@@ -3578,7 +3578,7 @@
           <a:p>
             <a:fld id="{235B1B3B-ECF3-44F3-8924-67E2830A19EC}" type="datetime1">
               <a:rPr lang="en-US" smtClean="0"/>
-              <a:t>8/13/2023</a:t>
+              <a:t>9/10/2023</a:t>
             </a:fld>
             <a:endParaRPr lang="en-US" dirty="0"/>
           </a:p>
@@ -3810,7 +3810,7 @@
           <a:p>
             <a:fld id="{51711179-F173-4A73-99D0-FE5DCA4626E5}" type="datetime1">
               <a:rPr lang="en-US" smtClean="0"/>
-              <a:t>8/13/2023</a:t>
+              <a:t>9/10/2023</a:t>
             </a:fld>
             <a:endParaRPr lang="en-US" dirty="0"/>
           </a:p>
@@ -4184,7 +4184,7 @@
           <a:p>
             <a:fld id="{7E128DA8-95ED-470F-8C39-158D62BDFDAC}" type="datetime1">
               <a:rPr lang="en-US" smtClean="0"/>
-              <a:t>8/13/2023</a:t>
+              <a:t>9/10/2023</a:t>
             </a:fld>
             <a:endParaRPr lang="en-US" dirty="0"/>
           </a:p>
@@ -4307,7 +4307,7 @@
           <a:p>
             <a:fld id="{B3DE09CA-7266-4232-A593-0D87CE385B43}" type="datetime1">
               <a:rPr lang="en-US" smtClean="0"/>
-              <a:t>8/13/2023</a:t>
+              <a:t>9/10/2023</a:t>
             </a:fld>
             <a:endParaRPr lang="en-US" dirty="0"/>
           </a:p>
@@ -4402,7 +4402,7 @@
           <a:p>
             <a:fld id="{45E1782C-3599-4860-81A9-656B2B364E57}" type="datetime1">
               <a:rPr lang="en-US" smtClean="0"/>
-              <a:t>8/13/2023</a:t>
+              <a:t>9/10/2023</a:t>
             </a:fld>
             <a:endParaRPr lang="en-US" dirty="0"/>
           </a:p>
@@ -4657,7 +4657,7 @@
           <a:p>
             <a:fld id="{116EC375-B303-4BF8-83DB-65B8D7391020}" type="datetime1">
               <a:rPr lang="en-US" smtClean="0"/>
-              <a:t>8/13/2023</a:t>
+              <a:t>9/10/2023</a:t>
             </a:fld>
             <a:endParaRPr lang="en-US" dirty="0"/>
           </a:p>
@@ -4920,7 +4920,7 @@
           <a:p>
             <a:fld id="{F860CE40-A04A-408F-BB6E-2F9DED8FF9DE}" type="datetime1">
               <a:rPr lang="en-US" smtClean="0"/>
-              <a:t>8/13/2023</a:t>
+              <a:t>9/10/2023</a:t>
             </a:fld>
             <a:endParaRPr lang="en-US" dirty="0"/>
           </a:p>
@@ -5663,7 +5663,7 @@
           <a:p>
             <a:fld id="{6E3D3AD9-A8BA-4D2B-A793-6960F7F1182C}" type="datetime1">
               <a:rPr lang="en-US" smtClean="0"/>
-              <a:t>8/13/2023</a:t>
+              <a:t>9/10/2023</a:t>
             </a:fld>
             <a:endParaRPr lang="en-US" dirty="0"/>
           </a:p>
@@ -6899,37 +6899,42 @@
           <a:p>
             <a:r>
               <a:rPr lang="en-US" dirty="0"/>
-              <a:t>Please refer to the project here: </a:t>
-            </a:r>
-            <a:r>
-              <a:rPr lang="en-US" dirty="0">
+              <a:t>Please refer to discussion and code for a sample pattern here. The observer pattern: </a:t>
+            </a:r>
+            <a:r>
+              <a:rPr lang="en-IN" dirty="0">
                 <a:hlinkClick r:id="rId2"/>
               </a:rPr>
+              <a:t>chittur/observer-pattern-demo: Demo for the Observer software design pattern (github.com)</a:t>
+            </a:r>
+            <a:endParaRPr lang="en-US" dirty="0"/>
+          </a:p>
+          <a:p>
+            <a:r>
+              <a:rPr lang="en-US" dirty="0"/>
+              <a:t>Please refer to the project here: </a:t>
+            </a:r>
+            <a:r>
+              <a:rPr lang="en-US" dirty="0">
+                <a:hlinkClick r:id="rId3"/>
+              </a:rPr>
               <a:t>chittur/distributed-and-</a:t>
             </a:r>
             <a:r>
               <a:rPr lang="en-US" dirty="0" err="1">
-                <a:hlinkClick r:id="rId2"/>
+                <a:hlinkClick r:id="rId3"/>
               </a:rPr>
               <a:t>gui</a:t>
             </a:r>
             <a:r>
               <a:rPr lang="en-US" dirty="0">
-                <a:hlinkClick r:id="rId2"/>
+                <a:hlinkClick r:id="rId3"/>
               </a:rPr>
               <a:t>-demo: Demonstrates a distributed computing software that also involves GUI (github.com)</a:t>
             </a:r>
             <a:r>
               <a:rPr lang="en-US" dirty="0"/>
-              <a:t>. What are the </a:t>
-            </a:r>
-            <a:r>
-              <a:rPr lang="en-US"/>
-              <a:t>design patterns </a:t>
-            </a:r>
-            <a:r>
-              <a:rPr lang="en-US" dirty="0"/>
-              <a:t>you can find here?</a:t>
+              <a:t>. What are the design patterns you can find here?</a:t>
             </a:r>
             <a:endParaRPr lang="en-IN" dirty="0"/>
           </a:p>
